--- a/Ms. Office/flowchart3.pptx
+++ b/Ms. Office/flowchart3.pptx
@@ -2,13 +2,15 @@
 <file path=ppt/presentation.xml><?xml version="1.0" encoding="utf-8"?>
 <p:presentation xmlns:a="http://schemas.openxmlformats.org/drawingml/2006/main" xmlns:r="http://schemas.openxmlformats.org/officeDocument/2006/relationships" xmlns:p="http://schemas.openxmlformats.org/presentationml/2006/main" saveSubsetFonts="1">
   <p:sldMasterIdLst>
-    <p:sldMasterId id="2147483684" r:id="rId1"/>
+    <p:sldMasterId id="2147483696" r:id="rId1"/>
   </p:sldMasterIdLst>
   <p:sldIdLst>
     <p:sldId id="256" r:id="rId2"/>
     <p:sldId id="257" r:id="rId3"/>
+    <p:sldId id="258" r:id="rId4"/>
+    <p:sldId id="259" r:id="rId5"/>
   </p:sldIdLst>
-  <p:sldSz cx="5376863" cy="7169150" type="B5ISO"/>
+  <p:sldSz cx="6858000" cy="9906000" type="A4"/>
   <p:notesSz cx="6858000" cy="9144000"/>
   <p:defaultTextStyle>
     <a:defPPr>
@@ -142,15 +144,15 @@
         </p:nvSpPr>
         <p:spPr>
           <a:xfrm>
-            <a:off x="403265" y="1173285"/>
-            <a:ext cx="4570334" cy="2495926"/>
+            <a:off x="514350" y="1621191"/>
+            <a:ext cx="5829300" cy="3448756"/>
           </a:xfrm>
         </p:spPr>
         <p:txBody>
           <a:bodyPr anchor="b"/>
           <a:lstStyle>
             <a:lvl1pPr algn="ctr">
-              <a:defRPr sz="3528"/>
+              <a:defRPr sz="4500"/>
             </a:lvl1pPr>
           </a:lstStyle>
           <a:p>
@@ -174,8 +176,8 @@
         </p:nvSpPr>
         <p:spPr>
           <a:xfrm>
-            <a:off x="672108" y="3765464"/>
-            <a:ext cx="4032647" cy="1730885"/>
+            <a:off x="857250" y="5202944"/>
+            <a:ext cx="5143500" cy="2391656"/>
           </a:xfrm>
         </p:spPr>
         <p:txBody>
@@ -183,39 +185,39 @@
           <a:lstStyle>
             <a:lvl1pPr marL="0" indent="0" algn="ctr">
               <a:buNone/>
-              <a:defRPr sz="1411"/>
+              <a:defRPr sz="1800"/>
             </a:lvl1pPr>
-            <a:lvl2pPr marL="268834" indent="0" algn="ctr">
-              <a:buNone/>
-              <a:defRPr sz="1176"/>
+            <a:lvl2pPr marL="342900" indent="0" algn="ctr">
+              <a:buNone/>
+              <a:defRPr sz="1500"/>
             </a:lvl2pPr>
-            <a:lvl3pPr marL="537667" indent="0" algn="ctr">
-              <a:buNone/>
-              <a:defRPr sz="1058"/>
+            <a:lvl3pPr marL="685800" indent="0" algn="ctr">
+              <a:buNone/>
+              <a:defRPr sz="1350"/>
             </a:lvl3pPr>
-            <a:lvl4pPr marL="806501" indent="0" algn="ctr">
-              <a:buNone/>
-              <a:defRPr sz="941"/>
+            <a:lvl4pPr marL="1028700" indent="0" algn="ctr">
+              <a:buNone/>
+              <a:defRPr sz="1200"/>
             </a:lvl4pPr>
-            <a:lvl5pPr marL="1075334" indent="0" algn="ctr">
-              <a:buNone/>
-              <a:defRPr sz="941"/>
+            <a:lvl5pPr marL="1371600" indent="0" algn="ctr">
+              <a:buNone/>
+              <a:defRPr sz="1200"/>
             </a:lvl5pPr>
-            <a:lvl6pPr marL="1344168" indent="0" algn="ctr">
-              <a:buNone/>
-              <a:defRPr sz="941"/>
+            <a:lvl6pPr marL="1714500" indent="0" algn="ctr">
+              <a:buNone/>
+              <a:defRPr sz="1200"/>
             </a:lvl6pPr>
-            <a:lvl7pPr marL="1613002" indent="0" algn="ctr">
-              <a:buNone/>
-              <a:defRPr sz="941"/>
+            <a:lvl7pPr marL="2057400" indent="0" algn="ctr">
+              <a:buNone/>
+              <a:defRPr sz="1200"/>
             </a:lvl7pPr>
-            <a:lvl8pPr marL="1881835" indent="0" algn="ctr">
-              <a:buNone/>
-              <a:defRPr sz="941"/>
+            <a:lvl8pPr marL="2400300" indent="0" algn="ctr">
+              <a:buNone/>
+              <a:defRPr sz="1200"/>
             </a:lvl8pPr>
-            <a:lvl9pPr marL="2150669" indent="0" algn="ctr">
-              <a:buNone/>
-              <a:defRPr sz="941"/>
+            <a:lvl9pPr marL="2743200" indent="0" algn="ctr">
+              <a:buNone/>
+              <a:defRPr sz="1200"/>
             </a:lvl9pPr>
           </a:lstStyle>
           <a:p>
@@ -244,7 +246,7 @@
           <a:p>
             <a:fld id="{FC48F949-9CDF-44A1-A60B-D72834ACA1C4}" type="datetimeFigureOut">
               <a:rPr lang="en-GB" smtClean="0"/>
-              <a:t>18/06/2018</a:t>
+              <a:t>26/06/2018</a:t>
             </a:fld>
             <a:endParaRPr lang="en-GB"/>
           </a:p>
@@ -295,7 +297,7 @@
     </p:spTree>
     <p:extLst>
       <p:ext uri="{BB962C8B-B14F-4D97-AF65-F5344CB8AC3E}">
-        <p14:creationId xmlns:p14="http://schemas.microsoft.com/office/powerpoint/2010/main" val="3176569281"/>
+        <p14:creationId xmlns:p14="http://schemas.microsoft.com/office/powerpoint/2010/main" val="3378199930"/>
       </p:ext>
     </p:extLst>
   </p:cSld>
@@ -414,7 +416,7 @@
           <a:p>
             <a:fld id="{FC48F949-9CDF-44A1-A60B-D72834ACA1C4}" type="datetimeFigureOut">
               <a:rPr lang="en-GB" smtClean="0"/>
-              <a:t>18/06/2018</a:t>
+              <a:t>26/06/2018</a:t>
             </a:fld>
             <a:endParaRPr lang="en-GB"/>
           </a:p>
@@ -465,7 +467,7 @@
     </p:spTree>
     <p:extLst>
       <p:ext uri="{BB962C8B-B14F-4D97-AF65-F5344CB8AC3E}">
-        <p14:creationId xmlns:p14="http://schemas.microsoft.com/office/powerpoint/2010/main" val="2888361296"/>
+        <p14:creationId xmlns:p14="http://schemas.microsoft.com/office/powerpoint/2010/main" val="3114616925"/>
       </p:ext>
     </p:extLst>
   </p:cSld>
@@ -504,8 +506,8 @@
         </p:nvSpPr>
         <p:spPr>
           <a:xfrm>
-            <a:off x="3847818" y="381691"/>
-            <a:ext cx="1159386" cy="6075523"/>
+            <a:off x="4907757" y="527403"/>
+            <a:ext cx="1478756" cy="8394877"/>
           </a:xfrm>
         </p:spPr>
         <p:txBody>
@@ -532,8 +534,8 @@
         </p:nvSpPr>
         <p:spPr>
           <a:xfrm>
-            <a:off x="369660" y="381691"/>
-            <a:ext cx="3410947" cy="6075523"/>
+            <a:off x="471488" y="527403"/>
+            <a:ext cx="4350544" cy="8394877"/>
           </a:xfrm>
         </p:spPr>
         <p:txBody>
@@ -594,7 +596,7 @@
           <a:p>
             <a:fld id="{FC48F949-9CDF-44A1-A60B-D72834ACA1C4}" type="datetimeFigureOut">
               <a:rPr lang="en-GB" smtClean="0"/>
-              <a:t>18/06/2018</a:t>
+              <a:t>26/06/2018</a:t>
             </a:fld>
             <a:endParaRPr lang="en-GB"/>
           </a:p>
@@ -645,7 +647,7 @@
     </p:spTree>
     <p:extLst>
       <p:ext uri="{BB962C8B-B14F-4D97-AF65-F5344CB8AC3E}">
-        <p14:creationId xmlns:p14="http://schemas.microsoft.com/office/powerpoint/2010/main" val="577238103"/>
+        <p14:creationId xmlns:p14="http://schemas.microsoft.com/office/powerpoint/2010/main" val="2135377397"/>
       </p:ext>
     </p:extLst>
   </p:cSld>
@@ -764,7 +766,7 @@
           <a:p>
             <a:fld id="{FC48F949-9CDF-44A1-A60B-D72834ACA1C4}" type="datetimeFigureOut">
               <a:rPr lang="en-GB" smtClean="0"/>
-              <a:t>18/06/2018</a:t>
+              <a:t>26/06/2018</a:t>
             </a:fld>
             <a:endParaRPr lang="en-GB"/>
           </a:p>
@@ -815,7 +817,7 @@
     </p:spTree>
     <p:extLst>
       <p:ext uri="{BB962C8B-B14F-4D97-AF65-F5344CB8AC3E}">
-        <p14:creationId xmlns:p14="http://schemas.microsoft.com/office/powerpoint/2010/main" val="1777317386"/>
+        <p14:creationId xmlns:p14="http://schemas.microsoft.com/office/powerpoint/2010/main" val="2071051398"/>
       </p:ext>
     </p:extLst>
   </p:cSld>
@@ -854,15 +856,15 @@
         </p:nvSpPr>
         <p:spPr>
           <a:xfrm>
-            <a:off x="366859" y="1787311"/>
-            <a:ext cx="4637544" cy="2982167"/>
+            <a:off x="467916" y="2469624"/>
+            <a:ext cx="5915025" cy="4120620"/>
           </a:xfrm>
         </p:spPr>
         <p:txBody>
           <a:bodyPr anchor="b"/>
           <a:lstStyle>
             <a:lvl1pPr>
-              <a:defRPr sz="3528"/>
+              <a:defRPr sz="4500"/>
             </a:lvl1pPr>
           </a:lstStyle>
           <a:p>
@@ -886,8 +888,8 @@
         </p:nvSpPr>
         <p:spPr>
           <a:xfrm>
-            <a:off x="366859" y="4797690"/>
-            <a:ext cx="4637544" cy="1568251"/>
+            <a:off x="467916" y="6629226"/>
+            <a:ext cx="5915025" cy="2166937"/>
           </a:xfrm>
         </p:spPr>
         <p:txBody>
@@ -895,15 +897,15 @@
           <a:lstStyle>
             <a:lvl1pPr marL="0" indent="0">
               <a:buNone/>
-              <a:defRPr sz="1411">
+              <a:defRPr sz="1800">
                 <a:solidFill>
                   <a:schemeClr val="tx1"/>
                 </a:solidFill>
               </a:defRPr>
             </a:lvl1pPr>
-            <a:lvl2pPr marL="268834" indent="0">
-              <a:buNone/>
-              <a:defRPr sz="1176">
+            <a:lvl2pPr marL="342900" indent="0">
+              <a:buNone/>
+              <a:defRPr sz="1500">
                 <a:solidFill>
                   <a:schemeClr val="tx1">
                     <a:tint val="75000"/>
@@ -911,9 +913,9 @@
                 </a:solidFill>
               </a:defRPr>
             </a:lvl2pPr>
-            <a:lvl3pPr marL="537667" indent="0">
-              <a:buNone/>
-              <a:defRPr sz="1058">
+            <a:lvl3pPr marL="685800" indent="0">
+              <a:buNone/>
+              <a:defRPr sz="1350">
                 <a:solidFill>
                   <a:schemeClr val="tx1">
                     <a:tint val="75000"/>
@@ -921,9 +923,9 @@
                 </a:solidFill>
               </a:defRPr>
             </a:lvl3pPr>
-            <a:lvl4pPr marL="806501" indent="0">
-              <a:buNone/>
-              <a:defRPr sz="941">
+            <a:lvl4pPr marL="1028700" indent="0">
+              <a:buNone/>
+              <a:defRPr sz="1200">
                 <a:solidFill>
                   <a:schemeClr val="tx1">
                     <a:tint val="75000"/>
@@ -931,9 +933,9 @@
                 </a:solidFill>
               </a:defRPr>
             </a:lvl4pPr>
-            <a:lvl5pPr marL="1075334" indent="0">
-              <a:buNone/>
-              <a:defRPr sz="941">
+            <a:lvl5pPr marL="1371600" indent="0">
+              <a:buNone/>
+              <a:defRPr sz="1200">
                 <a:solidFill>
                   <a:schemeClr val="tx1">
                     <a:tint val="75000"/>
@@ -941,9 +943,9 @@
                 </a:solidFill>
               </a:defRPr>
             </a:lvl5pPr>
-            <a:lvl6pPr marL="1344168" indent="0">
-              <a:buNone/>
-              <a:defRPr sz="941">
+            <a:lvl6pPr marL="1714500" indent="0">
+              <a:buNone/>
+              <a:defRPr sz="1200">
                 <a:solidFill>
                   <a:schemeClr val="tx1">
                     <a:tint val="75000"/>
@@ -951,9 +953,9 @@
                 </a:solidFill>
               </a:defRPr>
             </a:lvl6pPr>
-            <a:lvl7pPr marL="1613002" indent="0">
-              <a:buNone/>
-              <a:defRPr sz="941">
+            <a:lvl7pPr marL="2057400" indent="0">
+              <a:buNone/>
+              <a:defRPr sz="1200">
                 <a:solidFill>
                   <a:schemeClr val="tx1">
                     <a:tint val="75000"/>
@@ -961,9 +963,9 @@
                 </a:solidFill>
               </a:defRPr>
             </a:lvl7pPr>
-            <a:lvl8pPr marL="1881835" indent="0">
-              <a:buNone/>
-              <a:defRPr sz="941">
+            <a:lvl8pPr marL="2400300" indent="0">
+              <a:buNone/>
+              <a:defRPr sz="1200">
                 <a:solidFill>
                   <a:schemeClr val="tx1">
                     <a:tint val="75000"/>
@@ -971,9 +973,9 @@
                 </a:solidFill>
               </a:defRPr>
             </a:lvl8pPr>
-            <a:lvl9pPr marL="2150669" indent="0">
-              <a:buNone/>
-              <a:defRPr sz="941">
+            <a:lvl9pPr marL="2743200" indent="0">
+              <a:buNone/>
+              <a:defRPr sz="1200">
                 <a:solidFill>
                   <a:schemeClr val="tx1">
                     <a:tint val="75000"/>
@@ -1008,7 +1010,7 @@
           <a:p>
             <a:fld id="{FC48F949-9CDF-44A1-A60B-D72834ACA1C4}" type="datetimeFigureOut">
               <a:rPr lang="en-GB" smtClean="0"/>
-              <a:t>18/06/2018</a:t>
+              <a:t>26/06/2018</a:t>
             </a:fld>
             <a:endParaRPr lang="en-GB"/>
           </a:p>
@@ -1059,7 +1061,7 @@
     </p:spTree>
     <p:extLst>
       <p:ext uri="{BB962C8B-B14F-4D97-AF65-F5344CB8AC3E}">
-        <p14:creationId xmlns:p14="http://schemas.microsoft.com/office/powerpoint/2010/main" val="3491239166"/>
+        <p14:creationId xmlns:p14="http://schemas.microsoft.com/office/powerpoint/2010/main" val="755198739"/>
       </p:ext>
     </p:extLst>
   </p:cSld>
@@ -1121,8 +1123,8 @@
         </p:nvSpPr>
         <p:spPr>
           <a:xfrm>
-            <a:off x="369659" y="1908454"/>
-            <a:ext cx="2285167" cy="4548760"/>
+            <a:off x="471488" y="2637014"/>
+            <a:ext cx="2914650" cy="6285266"/>
           </a:xfrm>
         </p:spPr>
         <p:txBody>
@@ -1178,8 +1180,8 @@
         </p:nvSpPr>
         <p:spPr>
           <a:xfrm>
-            <a:off x="2722037" y="1908454"/>
-            <a:ext cx="2285167" cy="4548760"/>
+            <a:off x="3471863" y="2637014"/>
+            <a:ext cx="2914650" cy="6285266"/>
           </a:xfrm>
         </p:spPr>
         <p:txBody>
@@ -1240,7 +1242,7 @@
           <a:p>
             <a:fld id="{FC48F949-9CDF-44A1-A60B-D72834ACA1C4}" type="datetimeFigureOut">
               <a:rPr lang="en-GB" smtClean="0"/>
-              <a:t>18/06/2018</a:t>
+              <a:t>26/06/2018</a:t>
             </a:fld>
             <a:endParaRPr lang="en-GB"/>
           </a:p>
@@ -1291,7 +1293,7 @@
     </p:spTree>
     <p:extLst>
       <p:ext uri="{BB962C8B-B14F-4D97-AF65-F5344CB8AC3E}">
-        <p14:creationId xmlns:p14="http://schemas.microsoft.com/office/powerpoint/2010/main" val="2344099464"/>
+        <p14:creationId xmlns:p14="http://schemas.microsoft.com/office/powerpoint/2010/main" val="3782042801"/>
       </p:ext>
     </p:extLst>
   </p:cSld>
@@ -1330,8 +1332,8 @@
         </p:nvSpPr>
         <p:spPr>
           <a:xfrm>
-            <a:off x="370360" y="381693"/>
-            <a:ext cx="4637544" cy="1385704"/>
+            <a:off x="472381" y="527405"/>
+            <a:ext cx="5915025" cy="1914702"/>
           </a:xfrm>
         </p:spPr>
         <p:txBody>
@@ -1358,8 +1360,8 @@
         </p:nvSpPr>
         <p:spPr>
           <a:xfrm>
-            <a:off x="370360" y="1757438"/>
-            <a:ext cx="2274665" cy="861293"/>
+            <a:off x="472381" y="2428347"/>
+            <a:ext cx="2901255" cy="1190095"/>
           </a:xfrm>
         </p:spPr>
         <p:txBody>
@@ -1367,39 +1369,39 @@
           <a:lstStyle>
             <a:lvl1pPr marL="0" indent="0">
               <a:buNone/>
-              <a:defRPr sz="1411" b="1"/>
+              <a:defRPr sz="1800" b="1"/>
             </a:lvl1pPr>
-            <a:lvl2pPr marL="268834" indent="0">
-              <a:buNone/>
-              <a:defRPr sz="1176" b="1"/>
+            <a:lvl2pPr marL="342900" indent="0">
+              <a:buNone/>
+              <a:defRPr sz="1500" b="1"/>
             </a:lvl2pPr>
-            <a:lvl3pPr marL="537667" indent="0">
-              <a:buNone/>
-              <a:defRPr sz="1058" b="1"/>
+            <a:lvl3pPr marL="685800" indent="0">
+              <a:buNone/>
+              <a:defRPr sz="1350" b="1"/>
             </a:lvl3pPr>
-            <a:lvl4pPr marL="806501" indent="0">
-              <a:buNone/>
-              <a:defRPr sz="941" b="1"/>
+            <a:lvl4pPr marL="1028700" indent="0">
+              <a:buNone/>
+              <a:defRPr sz="1200" b="1"/>
             </a:lvl4pPr>
-            <a:lvl5pPr marL="1075334" indent="0">
-              <a:buNone/>
-              <a:defRPr sz="941" b="1"/>
+            <a:lvl5pPr marL="1371600" indent="0">
+              <a:buNone/>
+              <a:defRPr sz="1200" b="1"/>
             </a:lvl5pPr>
-            <a:lvl6pPr marL="1344168" indent="0">
-              <a:buNone/>
-              <a:defRPr sz="941" b="1"/>
+            <a:lvl6pPr marL="1714500" indent="0">
+              <a:buNone/>
+              <a:defRPr sz="1200" b="1"/>
             </a:lvl6pPr>
-            <a:lvl7pPr marL="1613002" indent="0">
-              <a:buNone/>
-              <a:defRPr sz="941" b="1"/>
+            <a:lvl7pPr marL="2057400" indent="0">
+              <a:buNone/>
+              <a:defRPr sz="1200" b="1"/>
             </a:lvl7pPr>
-            <a:lvl8pPr marL="1881835" indent="0">
-              <a:buNone/>
-              <a:defRPr sz="941" b="1"/>
+            <a:lvl8pPr marL="2400300" indent="0">
+              <a:buNone/>
+              <a:defRPr sz="1200" b="1"/>
             </a:lvl8pPr>
-            <a:lvl9pPr marL="2150669" indent="0">
-              <a:buNone/>
-              <a:defRPr sz="941" b="1"/>
+            <a:lvl9pPr marL="2743200" indent="0">
+              <a:buNone/>
+              <a:defRPr sz="1200" b="1"/>
             </a:lvl9pPr>
           </a:lstStyle>
           <a:p>
@@ -1423,8 +1425,8 @@
         </p:nvSpPr>
         <p:spPr>
           <a:xfrm>
-            <a:off x="370360" y="2618731"/>
-            <a:ext cx="2274665" cy="3851759"/>
+            <a:off x="472381" y="3618442"/>
+            <a:ext cx="2901255" cy="5322183"/>
           </a:xfrm>
         </p:spPr>
         <p:txBody>
@@ -1480,8 +1482,8 @@
         </p:nvSpPr>
         <p:spPr>
           <a:xfrm>
-            <a:off x="2722037" y="1757438"/>
-            <a:ext cx="2285867" cy="861293"/>
+            <a:off x="3471863" y="2428347"/>
+            <a:ext cx="2915543" cy="1190095"/>
           </a:xfrm>
         </p:spPr>
         <p:txBody>
@@ -1489,39 +1491,39 @@
           <a:lstStyle>
             <a:lvl1pPr marL="0" indent="0">
               <a:buNone/>
-              <a:defRPr sz="1411" b="1"/>
+              <a:defRPr sz="1800" b="1"/>
             </a:lvl1pPr>
-            <a:lvl2pPr marL="268834" indent="0">
-              <a:buNone/>
-              <a:defRPr sz="1176" b="1"/>
+            <a:lvl2pPr marL="342900" indent="0">
+              <a:buNone/>
+              <a:defRPr sz="1500" b="1"/>
             </a:lvl2pPr>
-            <a:lvl3pPr marL="537667" indent="0">
-              <a:buNone/>
-              <a:defRPr sz="1058" b="1"/>
+            <a:lvl3pPr marL="685800" indent="0">
+              <a:buNone/>
+              <a:defRPr sz="1350" b="1"/>
             </a:lvl3pPr>
-            <a:lvl4pPr marL="806501" indent="0">
-              <a:buNone/>
-              <a:defRPr sz="941" b="1"/>
+            <a:lvl4pPr marL="1028700" indent="0">
+              <a:buNone/>
+              <a:defRPr sz="1200" b="1"/>
             </a:lvl4pPr>
-            <a:lvl5pPr marL="1075334" indent="0">
-              <a:buNone/>
-              <a:defRPr sz="941" b="1"/>
+            <a:lvl5pPr marL="1371600" indent="0">
+              <a:buNone/>
+              <a:defRPr sz="1200" b="1"/>
             </a:lvl5pPr>
-            <a:lvl6pPr marL="1344168" indent="0">
-              <a:buNone/>
-              <a:defRPr sz="941" b="1"/>
+            <a:lvl6pPr marL="1714500" indent="0">
+              <a:buNone/>
+              <a:defRPr sz="1200" b="1"/>
             </a:lvl6pPr>
-            <a:lvl7pPr marL="1613002" indent="0">
-              <a:buNone/>
-              <a:defRPr sz="941" b="1"/>
+            <a:lvl7pPr marL="2057400" indent="0">
+              <a:buNone/>
+              <a:defRPr sz="1200" b="1"/>
             </a:lvl7pPr>
-            <a:lvl8pPr marL="1881835" indent="0">
-              <a:buNone/>
-              <a:defRPr sz="941" b="1"/>
+            <a:lvl8pPr marL="2400300" indent="0">
+              <a:buNone/>
+              <a:defRPr sz="1200" b="1"/>
             </a:lvl8pPr>
-            <a:lvl9pPr marL="2150669" indent="0">
-              <a:buNone/>
-              <a:defRPr sz="941" b="1"/>
+            <a:lvl9pPr marL="2743200" indent="0">
+              <a:buNone/>
+              <a:defRPr sz="1200" b="1"/>
             </a:lvl9pPr>
           </a:lstStyle>
           <a:p>
@@ -1545,8 +1547,8 @@
         </p:nvSpPr>
         <p:spPr>
           <a:xfrm>
-            <a:off x="2722037" y="2618731"/>
-            <a:ext cx="2285867" cy="3851759"/>
+            <a:off x="3471863" y="3618442"/>
+            <a:ext cx="2915543" cy="5322183"/>
           </a:xfrm>
         </p:spPr>
         <p:txBody>
@@ -1607,7 +1609,7 @@
           <a:p>
             <a:fld id="{FC48F949-9CDF-44A1-A60B-D72834ACA1C4}" type="datetimeFigureOut">
               <a:rPr lang="en-GB" smtClean="0"/>
-              <a:t>18/06/2018</a:t>
+              <a:t>26/06/2018</a:t>
             </a:fld>
             <a:endParaRPr lang="en-GB"/>
           </a:p>
@@ -1658,7 +1660,7 @@
     </p:spTree>
     <p:extLst>
       <p:ext uri="{BB962C8B-B14F-4D97-AF65-F5344CB8AC3E}">
-        <p14:creationId xmlns:p14="http://schemas.microsoft.com/office/powerpoint/2010/main" val="211042704"/>
+        <p14:creationId xmlns:p14="http://schemas.microsoft.com/office/powerpoint/2010/main" val="1997183699"/>
       </p:ext>
     </p:extLst>
   </p:cSld>
@@ -1725,7 +1727,7 @@
           <a:p>
             <a:fld id="{FC48F949-9CDF-44A1-A60B-D72834ACA1C4}" type="datetimeFigureOut">
               <a:rPr lang="en-GB" smtClean="0"/>
-              <a:t>18/06/2018</a:t>
+              <a:t>26/06/2018</a:t>
             </a:fld>
             <a:endParaRPr lang="en-GB"/>
           </a:p>
@@ -1776,7 +1778,7 @@
     </p:spTree>
     <p:extLst>
       <p:ext uri="{BB962C8B-B14F-4D97-AF65-F5344CB8AC3E}">
-        <p14:creationId xmlns:p14="http://schemas.microsoft.com/office/powerpoint/2010/main" val="2691725109"/>
+        <p14:creationId xmlns:p14="http://schemas.microsoft.com/office/powerpoint/2010/main" val="1525315486"/>
       </p:ext>
     </p:extLst>
   </p:cSld>
@@ -1820,7 +1822,7 @@
           <a:p>
             <a:fld id="{FC48F949-9CDF-44A1-A60B-D72834ACA1C4}" type="datetimeFigureOut">
               <a:rPr lang="en-GB" smtClean="0"/>
-              <a:t>18/06/2018</a:t>
+              <a:t>26/06/2018</a:t>
             </a:fld>
             <a:endParaRPr lang="en-GB"/>
           </a:p>
@@ -1871,7 +1873,7 @@
     </p:spTree>
     <p:extLst>
       <p:ext uri="{BB962C8B-B14F-4D97-AF65-F5344CB8AC3E}">
-        <p14:creationId xmlns:p14="http://schemas.microsoft.com/office/powerpoint/2010/main" val="3246297214"/>
+        <p14:creationId xmlns:p14="http://schemas.microsoft.com/office/powerpoint/2010/main" val="1847632388"/>
       </p:ext>
     </p:extLst>
   </p:cSld>
@@ -1910,15 +1912,15 @@
         </p:nvSpPr>
         <p:spPr>
           <a:xfrm>
-            <a:off x="370360" y="477943"/>
-            <a:ext cx="1734178" cy="1672802"/>
+            <a:off x="472381" y="660400"/>
+            <a:ext cx="2211884" cy="2311400"/>
           </a:xfrm>
         </p:spPr>
         <p:txBody>
           <a:bodyPr anchor="b"/>
           <a:lstStyle>
             <a:lvl1pPr>
-              <a:defRPr sz="1882"/>
+              <a:defRPr sz="2400"/>
             </a:lvl1pPr>
           </a:lstStyle>
           <a:p>
@@ -1942,39 +1944,39 @@
         </p:nvSpPr>
         <p:spPr>
           <a:xfrm>
-            <a:off x="2285867" y="1032226"/>
-            <a:ext cx="2722037" cy="5094743"/>
+            <a:off x="2915543" y="1426283"/>
+            <a:ext cx="3471863" cy="7039681"/>
           </a:xfrm>
         </p:spPr>
         <p:txBody>
           <a:bodyPr/>
           <a:lstStyle>
             <a:lvl1pPr>
-              <a:defRPr sz="1882"/>
+              <a:defRPr sz="2400"/>
             </a:lvl1pPr>
             <a:lvl2pPr>
-              <a:defRPr sz="1646"/>
+              <a:defRPr sz="2100"/>
             </a:lvl2pPr>
             <a:lvl3pPr>
-              <a:defRPr sz="1411"/>
+              <a:defRPr sz="1800"/>
             </a:lvl3pPr>
             <a:lvl4pPr>
-              <a:defRPr sz="1176"/>
+              <a:defRPr sz="1500"/>
             </a:lvl4pPr>
             <a:lvl5pPr>
-              <a:defRPr sz="1176"/>
+              <a:defRPr sz="1500"/>
             </a:lvl5pPr>
             <a:lvl6pPr>
-              <a:defRPr sz="1176"/>
+              <a:defRPr sz="1500"/>
             </a:lvl6pPr>
             <a:lvl7pPr>
-              <a:defRPr sz="1176"/>
+              <a:defRPr sz="1500"/>
             </a:lvl7pPr>
             <a:lvl8pPr>
-              <a:defRPr sz="1176"/>
+              <a:defRPr sz="1500"/>
             </a:lvl8pPr>
             <a:lvl9pPr>
-              <a:defRPr sz="1176"/>
+              <a:defRPr sz="1500"/>
             </a:lvl9pPr>
           </a:lstStyle>
           <a:p>
@@ -2027,8 +2029,8 @@
         </p:nvSpPr>
         <p:spPr>
           <a:xfrm>
-            <a:off x="370360" y="2150745"/>
-            <a:ext cx="1734178" cy="3984521"/>
+            <a:off x="472381" y="2971800"/>
+            <a:ext cx="2211884" cy="5505627"/>
           </a:xfrm>
         </p:spPr>
         <p:txBody>
@@ -2036,39 +2038,39 @@
           <a:lstStyle>
             <a:lvl1pPr marL="0" indent="0">
               <a:buNone/>
-              <a:defRPr sz="941"/>
+              <a:defRPr sz="1200"/>
             </a:lvl1pPr>
-            <a:lvl2pPr marL="268834" indent="0">
-              <a:buNone/>
-              <a:defRPr sz="823"/>
+            <a:lvl2pPr marL="342900" indent="0">
+              <a:buNone/>
+              <a:defRPr sz="1050"/>
             </a:lvl2pPr>
-            <a:lvl3pPr marL="537667" indent="0">
-              <a:buNone/>
-              <a:defRPr sz="706"/>
+            <a:lvl3pPr marL="685800" indent="0">
+              <a:buNone/>
+              <a:defRPr sz="900"/>
             </a:lvl3pPr>
-            <a:lvl4pPr marL="806501" indent="0">
-              <a:buNone/>
-              <a:defRPr sz="588"/>
+            <a:lvl4pPr marL="1028700" indent="0">
+              <a:buNone/>
+              <a:defRPr sz="750"/>
             </a:lvl4pPr>
-            <a:lvl5pPr marL="1075334" indent="0">
-              <a:buNone/>
-              <a:defRPr sz="588"/>
+            <a:lvl5pPr marL="1371600" indent="0">
+              <a:buNone/>
+              <a:defRPr sz="750"/>
             </a:lvl5pPr>
-            <a:lvl6pPr marL="1344168" indent="0">
-              <a:buNone/>
-              <a:defRPr sz="588"/>
+            <a:lvl6pPr marL="1714500" indent="0">
+              <a:buNone/>
+              <a:defRPr sz="750"/>
             </a:lvl6pPr>
-            <a:lvl7pPr marL="1613002" indent="0">
-              <a:buNone/>
-              <a:defRPr sz="588"/>
+            <a:lvl7pPr marL="2057400" indent="0">
+              <a:buNone/>
+              <a:defRPr sz="750"/>
             </a:lvl7pPr>
-            <a:lvl8pPr marL="1881835" indent="0">
-              <a:buNone/>
-              <a:defRPr sz="588"/>
+            <a:lvl8pPr marL="2400300" indent="0">
+              <a:buNone/>
+              <a:defRPr sz="750"/>
             </a:lvl8pPr>
-            <a:lvl9pPr marL="2150669" indent="0">
-              <a:buNone/>
-              <a:defRPr sz="588"/>
+            <a:lvl9pPr marL="2743200" indent="0">
+              <a:buNone/>
+              <a:defRPr sz="750"/>
             </a:lvl9pPr>
           </a:lstStyle>
           <a:p>
@@ -2097,7 +2099,7 @@
           <a:p>
             <a:fld id="{FC48F949-9CDF-44A1-A60B-D72834ACA1C4}" type="datetimeFigureOut">
               <a:rPr lang="en-GB" smtClean="0"/>
-              <a:t>18/06/2018</a:t>
+              <a:t>26/06/2018</a:t>
             </a:fld>
             <a:endParaRPr lang="en-GB"/>
           </a:p>
@@ -2148,7 +2150,7 @@
     </p:spTree>
     <p:extLst>
       <p:ext uri="{BB962C8B-B14F-4D97-AF65-F5344CB8AC3E}">
-        <p14:creationId xmlns:p14="http://schemas.microsoft.com/office/powerpoint/2010/main" val="145490730"/>
+        <p14:creationId xmlns:p14="http://schemas.microsoft.com/office/powerpoint/2010/main" val="3123800346"/>
       </p:ext>
     </p:extLst>
   </p:cSld>
@@ -2187,15 +2189,15 @@
         </p:nvSpPr>
         <p:spPr>
           <a:xfrm>
-            <a:off x="370360" y="477943"/>
-            <a:ext cx="1734178" cy="1672802"/>
+            <a:off x="472381" y="660400"/>
+            <a:ext cx="2211884" cy="2311400"/>
           </a:xfrm>
         </p:spPr>
         <p:txBody>
           <a:bodyPr anchor="b"/>
           <a:lstStyle>
             <a:lvl1pPr>
-              <a:defRPr sz="1882"/>
+              <a:defRPr sz="2400"/>
             </a:lvl1pPr>
           </a:lstStyle>
           <a:p>
@@ -2219,8 +2221,8 @@
         </p:nvSpPr>
         <p:spPr>
           <a:xfrm>
-            <a:off x="2285867" y="1032226"/>
-            <a:ext cx="2722037" cy="5094743"/>
+            <a:off x="2915543" y="1426283"/>
+            <a:ext cx="3471863" cy="7039681"/>
           </a:xfrm>
         </p:spPr>
         <p:txBody>
@@ -2228,39 +2230,39 @@
           <a:lstStyle>
             <a:lvl1pPr marL="0" indent="0">
               <a:buNone/>
-              <a:defRPr sz="1882"/>
+              <a:defRPr sz="2400"/>
             </a:lvl1pPr>
-            <a:lvl2pPr marL="268834" indent="0">
-              <a:buNone/>
-              <a:defRPr sz="1646"/>
+            <a:lvl2pPr marL="342900" indent="0">
+              <a:buNone/>
+              <a:defRPr sz="2100"/>
             </a:lvl2pPr>
-            <a:lvl3pPr marL="537667" indent="0">
-              <a:buNone/>
-              <a:defRPr sz="1411"/>
+            <a:lvl3pPr marL="685800" indent="0">
+              <a:buNone/>
+              <a:defRPr sz="1800"/>
             </a:lvl3pPr>
-            <a:lvl4pPr marL="806501" indent="0">
-              <a:buNone/>
-              <a:defRPr sz="1176"/>
+            <a:lvl4pPr marL="1028700" indent="0">
+              <a:buNone/>
+              <a:defRPr sz="1500"/>
             </a:lvl4pPr>
-            <a:lvl5pPr marL="1075334" indent="0">
-              <a:buNone/>
-              <a:defRPr sz="1176"/>
+            <a:lvl5pPr marL="1371600" indent="0">
+              <a:buNone/>
+              <a:defRPr sz="1500"/>
             </a:lvl5pPr>
-            <a:lvl6pPr marL="1344168" indent="0">
-              <a:buNone/>
-              <a:defRPr sz="1176"/>
+            <a:lvl6pPr marL="1714500" indent="0">
+              <a:buNone/>
+              <a:defRPr sz="1500"/>
             </a:lvl6pPr>
-            <a:lvl7pPr marL="1613002" indent="0">
-              <a:buNone/>
-              <a:defRPr sz="1176"/>
+            <a:lvl7pPr marL="2057400" indent="0">
+              <a:buNone/>
+              <a:defRPr sz="1500"/>
             </a:lvl7pPr>
-            <a:lvl8pPr marL="1881835" indent="0">
-              <a:buNone/>
-              <a:defRPr sz="1176"/>
+            <a:lvl8pPr marL="2400300" indent="0">
+              <a:buNone/>
+              <a:defRPr sz="1500"/>
             </a:lvl8pPr>
-            <a:lvl9pPr marL="2150669" indent="0">
-              <a:buNone/>
-              <a:defRPr sz="1176"/>
+            <a:lvl9pPr marL="2743200" indent="0">
+              <a:buNone/>
+              <a:defRPr sz="1500"/>
             </a:lvl9pPr>
           </a:lstStyle>
           <a:p>
@@ -2284,8 +2286,8 @@
         </p:nvSpPr>
         <p:spPr>
           <a:xfrm>
-            <a:off x="370360" y="2150745"/>
-            <a:ext cx="1734178" cy="3984521"/>
+            <a:off x="472381" y="2971800"/>
+            <a:ext cx="2211884" cy="5505627"/>
           </a:xfrm>
         </p:spPr>
         <p:txBody>
@@ -2293,39 +2295,39 @@
           <a:lstStyle>
             <a:lvl1pPr marL="0" indent="0">
               <a:buNone/>
-              <a:defRPr sz="941"/>
+              <a:defRPr sz="1200"/>
             </a:lvl1pPr>
-            <a:lvl2pPr marL="268834" indent="0">
-              <a:buNone/>
-              <a:defRPr sz="823"/>
+            <a:lvl2pPr marL="342900" indent="0">
+              <a:buNone/>
+              <a:defRPr sz="1050"/>
             </a:lvl2pPr>
-            <a:lvl3pPr marL="537667" indent="0">
-              <a:buNone/>
-              <a:defRPr sz="706"/>
+            <a:lvl3pPr marL="685800" indent="0">
+              <a:buNone/>
+              <a:defRPr sz="900"/>
             </a:lvl3pPr>
-            <a:lvl4pPr marL="806501" indent="0">
-              <a:buNone/>
-              <a:defRPr sz="588"/>
+            <a:lvl4pPr marL="1028700" indent="0">
+              <a:buNone/>
+              <a:defRPr sz="750"/>
             </a:lvl4pPr>
-            <a:lvl5pPr marL="1075334" indent="0">
-              <a:buNone/>
-              <a:defRPr sz="588"/>
+            <a:lvl5pPr marL="1371600" indent="0">
+              <a:buNone/>
+              <a:defRPr sz="750"/>
             </a:lvl5pPr>
-            <a:lvl6pPr marL="1344168" indent="0">
-              <a:buNone/>
-              <a:defRPr sz="588"/>
+            <a:lvl6pPr marL="1714500" indent="0">
+              <a:buNone/>
+              <a:defRPr sz="750"/>
             </a:lvl6pPr>
-            <a:lvl7pPr marL="1613002" indent="0">
-              <a:buNone/>
-              <a:defRPr sz="588"/>
+            <a:lvl7pPr marL="2057400" indent="0">
+              <a:buNone/>
+              <a:defRPr sz="750"/>
             </a:lvl7pPr>
-            <a:lvl8pPr marL="1881835" indent="0">
-              <a:buNone/>
-              <a:defRPr sz="588"/>
+            <a:lvl8pPr marL="2400300" indent="0">
+              <a:buNone/>
+              <a:defRPr sz="750"/>
             </a:lvl8pPr>
-            <a:lvl9pPr marL="2150669" indent="0">
-              <a:buNone/>
-              <a:defRPr sz="588"/>
+            <a:lvl9pPr marL="2743200" indent="0">
+              <a:buNone/>
+              <a:defRPr sz="750"/>
             </a:lvl9pPr>
           </a:lstStyle>
           <a:p>
@@ -2354,7 +2356,7 @@
           <a:p>
             <a:fld id="{FC48F949-9CDF-44A1-A60B-D72834ACA1C4}" type="datetimeFigureOut">
               <a:rPr lang="en-GB" smtClean="0"/>
-              <a:t>18/06/2018</a:t>
+              <a:t>26/06/2018</a:t>
             </a:fld>
             <a:endParaRPr lang="en-GB"/>
           </a:p>
@@ -2405,7 +2407,7 @@
     </p:spTree>
     <p:extLst>
       <p:ext uri="{BB962C8B-B14F-4D97-AF65-F5344CB8AC3E}">
-        <p14:creationId xmlns:p14="http://schemas.microsoft.com/office/powerpoint/2010/main" val="1539695965"/>
+        <p14:creationId xmlns:p14="http://schemas.microsoft.com/office/powerpoint/2010/main" val="2221579663"/>
       </p:ext>
     </p:extLst>
   </p:cSld>
@@ -2449,8 +2451,8 @@
         </p:nvSpPr>
         <p:spPr>
           <a:xfrm>
-            <a:off x="369660" y="381693"/>
-            <a:ext cx="4637544" cy="1385704"/>
+            <a:off x="471488" y="527405"/>
+            <a:ext cx="5915025" cy="1914702"/>
           </a:xfrm>
           <a:prstGeom prst="rect">
             <a:avLst/>
@@ -2482,8 +2484,8 @@
         </p:nvSpPr>
         <p:spPr>
           <a:xfrm>
-            <a:off x="369660" y="1908454"/>
-            <a:ext cx="4637544" cy="4548760"/>
+            <a:off x="471488" y="2637014"/>
+            <a:ext cx="5915025" cy="6285266"/>
           </a:xfrm>
           <a:prstGeom prst="rect">
             <a:avLst/>
@@ -2544,8 +2546,8 @@
         </p:nvSpPr>
         <p:spPr>
           <a:xfrm>
-            <a:off x="369659" y="6644741"/>
-            <a:ext cx="1209794" cy="381691"/>
+            <a:off x="471488" y="9181397"/>
+            <a:ext cx="1543050" cy="527403"/>
           </a:xfrm>
           <a:prstGeom prst="rect">
             <a:avLst/>
@@ -2555,7 +2557,7 @@
           <a:bodyPr vert="horz" lIns="91440" tIns="45720" rIns="91440" bIns="45720" rtlCol="0" anchor="ctr"/>
           <a:lstStyle>
             <a:lvl1pPr algn="l">
-              <a:defRPr sz="706">
+              <a:defRPr sz="900">
                 <a:solidFill>
                   <a:schemeClr val="tx1">
                     <a:tint val="75000"/>
@@ -2567,7 +2569,7 @@
           <a:p>
             <a:fld id="{FC48F949-9CDF-44A1-A60B-D72834ACA1C4}" type="datetimeFigureOut">
               <a:rPr lang="en-GB" smtClean="0"/>
-              <a:t>18/06/2018</a:t>
+              <a:t>26/06/2018</a:t>
             </a:fld>
             <a:endParaRPr lang="en-GB"/>
           </a:p>
@@ -2585,8 +2587,8 @@
         </p:nvSpPr>
         <p:spPr>
           <a:xfrm>
-            <a:off x="1781086" y="6644741"/>
-            <a:ext cx="1814691" cy="381691"/>
+            <a:off x="2271713" y="9181397"/>
+            <a:ext cx="2314575" cy="527403"/>
           </a:xfrm>
           <a:prstGeom prst="rect">
             <a:avLst/>
@@ -2596,7 +2598,7 @@
           <a:bodyPr vert="horz" lIns="91440" tIns="45720" rIns="91440" bIns="45720" rtlCol="0" anchor="ctr"/>
           <a:lstStyle>
             <a:lvl1pPr algn="ctr">
-              <a:defRPr sz="706">
+              <a:defRPr sz="900">
                 <a:solidFill>
                   <a:schemeClr val="tx1">
                     <a:tint val="75000"/>
@@ -2622,8 +2624,8 @@
         </p:nvSpPr>
         <p:spPr>
           <a:xfrm>
-            <a:off x="3797410" y="6644741"/>
-            <a:ext cx="1209794" cy="381691"/>
+            <a:off x="4843463" y="9181397"/>
+            <a:ext cx="1543050" cy="527403"/>
           </a:xfrm>
           <a:prstGeom prst="rect">
             <a:avLst/>
@@ -2633,7 +2635,7 @@
           <a:bodyPr vert="horz" lIns="91440" tIns="45720" rIns="91440" bIns="45720" rtlCol="0" anchor="ctr"/>
           <a:lstStyle>
             <a:lvl1pPr algn="r">
-              <a:defRPr sz="706">
+              <a:defRPr sz="900">
                 <a:solidFill>
                   <a:schemeClr val="tx1">
                     <a:tint val="75000"/>
@@ -2654,27 +2656,27 @@
     </p:spTree>
     <p:extLst>
       <p:ext uri="{BB962C8B-B14F-4D97-AF65-F5344CB8AC3E}">
-        <p14:creationId xmlns:p14="http://schemas.microsoft.com/office/powerpoint/2010/main" val="3051401216"/>
+        <p14:creationId xmlns:p14="http://schemas.microsoft.com/office/powerpoint/2010/main" val="3703727149"/>
       </p:ext>
     </p:extLst>
   </p:cSld>
   <p:clrMap bg1="lt1" tx1="dk1" bg2="lt2" tx2="dk2" accent1="accent1" accent2="accent2" accent3="accent3" accent4="accent4" accent5="accent5" accent6="accent6" hlink="hlink" folHlink="folHlink"/>
   <p:sldLayoutIdLst>
-    <p:sldLayoutId id="2147483685" r:id="rId1"/>
-    <p:sldLayoutId id="2147483686" r:id="rId2"/>
-    <p:sldLayoutId id="2147483687" r:id="rId3"/>
-    <p:sldLayoutId id="2147483688" r:id="rId4"/>
-    <p:sldLayoutId id="2147483689" r:id="rId5"/>
-    <p:sldLayoutId id="2147483690" r:id="rId6"/>
-    <p:sldLayoutId id="2147483691" r:id="rId7"/>
-    <p:sldLayoutId id="2147483692" r:id="rId8"/>
-    <p:sldLayoutId id="2147483693" r:id="rId9"/>
-    <p:sldLayoutId id="2147483694" r:id="rId10"/>
-    <p:sldLayoutId id="2147483695" r:id="rId11"/>
+    <p:sldLayoutId id="2147483697" r:id="rId1"/>
+    <p:sldLayoutId id="2147483698" r:id="rId2"/>
+    <p:sldLayoutId id="2147483699" r:id="rId3"/>
+    <p:sldLayoutId id="2147483700" r:id="rId4"/>
+    <p:sldLayoutId id="2147483701" r:id="rId5"/>
+    <p:sldLayoutId id="2147483702" r:id="rId6"/>
+    <p:sldLayoutId id="2147483703" r:id="rId7"/>
+    <p:sldLayoutId id="2147483704" r:id="rId8"/>
+    <p:sldLayoutId id="2147483705" r:id="rId9"/>
+    <p:sldLayoutId id="2147483706" r:id="rId10"/>
+    <p:sldLayoutId id="2147483707" r:id="rId11"/>
   </p:sldLayoutIdLst>
   <p:txStyles>
     <p:titleStyle>
-      <a:lvl1pPr algn="l" defTabSz="537667" rtl="0" eaLnBrk="1" latinLnBrk="0" hangingPunct="1">
+      <a:lvl1pPr algn="l" defTabSz="685800" rtl="0" eaLnBrk="1" latinLnBrk="0" hangingPunct="1">
         <a:lnSpc>
           <a:spcPct val="90000"/>
         </a:lnSpc>
@@ -2682,7 +2684,7 @@
           <a:spcPct val="0"/>
         </a:spcBef>
         <a:buNone/>
-        <a:defRPr sz="2587" kern="1200">
+        <a:defRPr sz="3300" kern="1200">
           <a:solidFill>
             <a:schemeClr val="tx1"/>
           </a:solidFill>
@@ -2693,16 +2695,16 @@
       </a:lvl1pPr>
     </p:titleStyle>
     <p:bodyStyle>
-      <a:lvl1pPr marL="134417" indent="-134417" algn="l" defTabSz="537667" rtl="0" eaLnBrk="1" latinLnBrk="0" hangingPunct="1">
+      <a:lvl1pPr marL="171450" indent="-171450" algn="l" defTabSz="685800" rtl="0" eaLnBrk="1" latinLnBrk="0" hangingPunct="1">
         <a:lnSpc>
           <a:spcPct val="90000"/>
         </a:lnSpc>
         <a:spcBef>
-          <a:spcPts val="588"/>
+          <a:spcPts val="750"/>
         </a:spcBef>
         <a:buFont typeface="Arial" panose="020B0604020202020204" pitchFamily="34" charset="0"/>
         <a:buChar char="•"/>
-        <a:defRPr sz="1646" kern="1200">
+        <a:defRPr sz="2100" kern="1200">
           <a:solidFill>
             <a:schemeClr val="tx1"/>
           </a:solidFill>
@@ -2711,16 +2713,16 @@
           <a:cs typeface="+mn-cs"/>
         </a:defRPr>
       </a:lvl1pPr>
-      <a:lvl2pPr marL="403250" indent="-134417" algn="l" defTabSz="537667" rtl="0" eaLnBrk="1" latinLnBrk="0" hangingPunct="1">
+      <a:lvl2pPr marL="514350" indent="-171450" algn="l" defTabSz="685800" rtl="0" eaLnBrk="1" latinLnBrk="0" hangingPunct="1">
         <a:lnSpc>
           <a:spcPct val="90000"/>
         </a:lnSpc>
         <a:spcBef>
-          <a:spcPts val="294"/>
+          <a:spcPts val="375"/>
         </a:spcBef>
         <a:buFont typeface="Arial" panose="020B0604020202020204" pitchFamily="34" charset="0"/>
         <a:buChar char="•"/>
-        <a:defRPr sz="1411" kern="1200">
+        <a:defRPr sz="1800" kern="1200">
           <a:solidFill>
             <a:schemeClr val="tx1"/>
           </a:solidFill>
@@ -2729,16 +2731,16 @@
           <a:cs typeface="+mn-cs"/>
         </a:defRPr>
       </a:lvl2pPr>
-      <a:lvl3pPr marL="672084" indent="-134417" algn="l" defTabSz="537667" rtl="0" eaLnBrk="1" latinLnBrk="0" hangingPunct="1">
+      <a:lvl3pPr marL="857250" indent="-171450" algn="l" defTabSz="685800" rtl="0" eaLnBrk="1" latinLnBrk="0" hangingPunct="1">
         <a:lnSpc>
           <a:spcPct val="90000"/>
         </a:lnSpc>
         <a:spcBef>
-          <a:spcPts val="294"/>
+          <a:spcPts val="375"/>
         </a:spcBef>
         <a:buFont typeface="Arial" panose="020B0604020202020204" pitchFamily="34" charset="0"/>
         <a:buChar char="•"/>
-        <a:defRPr sz="1176" kern="1200">
+        <a:defRPr sz="1500" kern="1200">
           <a:solidFill>
             <a:schemeClr val="tx1"/>
           </a:solidFill>
@@ -2747,16 +2749,16 @@
           <a:cs typeface="+mn-cs"/>
         </a:defRPr>
       </a:lvl3pPr>
-      <a:lvl4pPr marL="940918" indent="-134417" algn="l" defTabSz="537667" rtl="0" eaLnBrk="1" latinLnBrk="0" hangingPunct="1">
+      <a:lvl4pPr marL="1200150" indent="-171450" algn="l" defTabSz="685800" rtl="0" eaLnBrk="1" latinLnBrk="0" hangingPunct="1">
         <a:lnSpc>
           <a:spcPct val="90000"/>
         </a:lnSpc>
         <a:spcBef>
-          <a:spcPts val="294"/>
+          <a:spcPts val="375"/>
         </a:spcBef>
         <a:buFont typeface="Arial" panose="020B0604020202020204" pitchFamily="34" charset="0"/>
         <a:buChar char="•"/>
-        <a:defRPr sz="1058" kern="1200">
+        <a:defRPr sz="1350" kern="1200">
           <a:solidFill>
             <a:schemeClr val="tx1"/>
           </a:solidFill>
@@ -2765,16 +2767,16 @@
           <a:cs typeface="+mn-cs"/>
         </a:defRPr>
       </a:lvl4pPr>
-      <a:lvl5pPr marL="1209751" indent="-134417" algn="l" defTabSz="537667" rtl="0" eaLnBrk="1" latinLnBrk="0" hangingPunct="1">
+      <a:lvl5pPr marL="1543050" indent="-171450" algn="l" defTabSz="685800" rtl="0" eaLnBrk="1" latinLnBrk="0" hangingPunct="1">
         <a:lnSpc>
           <a:spcPct val="90000"/>
         </a:lnSpc>
         <a:spcBef>
-          <a:spcPts val="294"/>
+          <a:spcPts val="375"/>
         </a:spcBef>
         <a:buFont typeface="Arial" panose="020B0604020202020204" pitchFamily="34" charset="0"/>
         <a:buChar char="•"/>
-        <a:defRPr sz="1058" kern="1200">
+        <a:defRPr sz="1350" kern="1200">
           <a:solidFill>
             <a:schemeClr val="tx1"/>
           </a:solidFill>
@@ -2783,16 +2785,16 @@
           <a:cs typeface="+mn-cs"/>
         </a:defRPr>
       </a:lvl5pPr>
-      <a:lvl6pPr marL="1478585" indent="-134417" algn="l" defTabSz="537667" rtl="0" eaLnBrk="1" latinLnBrk="0" hangingPunct="1">
+      <a:lvl6pPr marL="1885950" indent="-171450" algn="l" defTabSz="685800" rtl="0" eaLnBrk="1" latinLnBrk="0" hangingPunct="1">
         <a:lnSpc>
           <a:spcPct val="90000"/>
         </a:lnSpc>
         <a:spcBef>
-          <a:spcPts val="294"/>
+          <a:spcPts val="375"/>
         </a:spcBef>
         <a:buFont typeface="Arial" panose="020B0604020202020204" pitchFamily="34" charset="0"/>
         <a:buChar char="•"/>
-        <a:defRPr sz="1058" kern="1200">
+        <a:defRPr sz="1350" kern="1200">
           <a:solidFill>
             <a:schemeClr val="tx1"/>
           </a:solidFill>
@@ -2801,16 +2803,16 @@
           <a:cs typeface="+mn-cs"/>
         </a:defRPr>
       </a:lvl6pPr>
-      <a:lvl7pPr marL="1747418" indent="-134417" algn="l" defTabSz="537667" rtl="0" eaLnBrk="1" latinLnBrk="0" hangingPunct="1">
+      <a:lvl7pPr marL="2228850" indent="-171450" algn="l" defTabSz="685800" rtl="0" eaLnBrk="1" latinLnBrk="0" hangingPunct="1">
         <a:lnSpc>
           <a:spcPct val="90000"/>
         </a:lnSpc>
         <a:spcBef>
-          <a:spcPts val="294"/>
+          <a:spcPts val="375"/>
         </a:spcBef>
         <a:buFont typeface="Arial" panose="020B0604020202020204" pitchFamily="34" charset="0"/>
         <a:buChar char="•"/>
-        <a:defRPr sz="1058" kern="1200">
+        <a:defRPr sz="1350" kern="1200">
           <a:solidFill>
             <a:schemeClr val="tx1"/>
           </a:solidFill>
@@ -2819,16 +2821,16 @@
           <a:cs typeface="+mn-cs"/>
         </a:defRPr>
       </a:lvl7pPr>
-      <a:lvl8pPr marL="2016252" indent="-134417" algn="l" defTabSz="537667" rtl="0" eaLnBrk="1" latinLnBrk="0" hangingPunct="1">
+      <a:lvl8pPr marL="2571750" indent="-171450" algn="l" defTabSz="685800" rtl="0" eaLnBrk="1" latinLnBrk="0" hangingPunct="1">
         <a:lnSpc>
           <a:spcPct val="90000"/>
         </a:lnSpc>
         <a:spcBef>
-          <a:spcPts val="294"/>
+          <a:spcPts val="375"/>
         </a:spcBef>
         <a:buFont typeface="Arial" panose="020B0604020202020204" pitchFamily="34" charset="0"/>
         <a:buChar char="•"/>
-        <a:defRPr sz="1058" kern="1200">
+        <a:defRPr sz="1350" kern="1200">
           <a:solidFill>
             <a:schemeClr val="tx1"/>
           </a:solidFill>
@@ -2837,16 +2839,16 @@
           <a:cs typeface="+mn-cs"/>
         </a:defRPr>
       </a:lvl8pPr>
-      <a:lvl9pPr marL="2285086" indent="-134417" algn="l" defTabSz="537667" rtl="0" eaLnBrk="1" latinLnBrk="0" hangingPunct="1">
+      <a:lvl9pPr marL="2914650" indent="-171450" algn="l" defTabSz="685800" rtl="0" eaLnBrk="1" latinLnBrk="0" hangingPunct="1">
         <a:lnSpc>
           <a:spcPct val="90000"/>
         </a:lnSpc>
         <a:spcBef>
-          <a:spcPts val="294"/>
+          <a:spcPts val="375"/>
         </a:spcBef>
         <a:buFont typeface="Arial" panose="020B0604020202020204" pitchFamily="34" charset="0"/>
         <a:buChar char="•"/>
-        <a:defRPr sz="1058" kern="1200">
+        <a:defRPr sz="1350" kern="1200">
           <a:solidFill>
             <a:schemeClr val="tx1"/>
           </a:solidFill>
@@ -2860,8 +2862,8 @@
       <a:defPPr>
         <a:defRPr lang="en-US"/>
       </a:defPPr>
-      <a:lvl1pPr marL="0" algn="l" defTabSz="537667" rtl="0" eaLnBrk="1" latinLnBrk="0" hangingPunct="1">
-        <a:defRPr sz="1058" kern="1200">
+      <a:lvl1pPr marL="0" algn="l" defTabSz="685800" rtl="0" eaLnBrk="1" latinLnBrk="0" hangingPunct="1">
+        <a:defRPr sz="1350" kern="1200">
           <a:solidFill>
             <a:schemeClr val="tx1"/>
           </a:solidFill>
@@ -2870,8 +2872,8 @@
           <a:cs typeface="+mn-cs"/>
         </a:defRPr>
       </a:lvl1pPr>
-      <a:lvl2pPr marL="268834" algn="l" defTabSz="537667" rtl="0" eaLnBrk="1" latinLnBrk="0" hangingPunct="1">
-        <a:defRPr sz="1058" kern="1200">
+      <a:lvl2pPr marL="342900" algn="l" defTabSz="685800" rtl="0" eaLnBrk="1" latinLnBrk="0" hangingPunct="1">
+        <a:defRPr sz="1350" kern="1200">
           <a:solidFill>
             <a:schemeClr val="tx1"/>
           </a:solidFill>
@@ -2880,8 +2882,8 @@
           <a:cs typeface="+mn-cs"/>
         </a:defRPr>
       </a:lvl2pPr>
-      <a:lvl3pPr marL="537667" algn="l" defTabSz="537667" rtl="0" eaLnBrk="1" latinLnBrk="0" hangingPunct="1">
-        <a:defRPr sz="1058" kern="1200">
+      <a:lvl3pPr marL="685800" algn="l" defTabSz="685800" rtl="0" eaLnBrk="1" latinLnBrk="0" hangingPunct="1">
+        <a:defRPr sz="1350" kern="1200">
           <a:solidFill>
             <a:schemeClr val="tx1"/>
           </a:solidFill>
@@ -2890,8 +2892,8 @@
           <a:cs typeface="+mn-cs"/>
         </a:defRPr>
       </a:lvl3pPr>
-      <a:lvl4pPr marL="806501" algn="l" defTabSz="537667" rtl="0" eaLnBrk="1" latinLnBrk="0" hangingPunct="1">
-        <a:defRPr sz="1058" kern="1200">
+      <a:lvl4pPr marL="1028700" algn="l" defTabSz="685800" rtl="0" eaLnBrk="1" latinLnBrk="0" hangingPunct="1">
+        <a:defRPr sz="1350" kern="1200">
           <a:solidFill>
             <a:schemeClr val="tx1"/>
           </a:solidFill>
@@ -2900,8 +2902,8 @@
           <a:cs typeface="+mn-cs"/>
         </a:defRPr>
       </a:lvl4pPr>
-      <a:lvl5pPr marL="1075334" algn="l" defTabSz="537667" rtl="0" eaLnBrk="1" latinLnBrk="0" hangingPunct="1">
-        <a:defRPr sz="1058" kern="1200">
+      <a:lvl5pPr marL="1371600" algn="l" defTabSz="685800" rtl="0" eaLnBrk="1" latinLnBrk="0" hangingPunct="1">
+        <a:defRPr sz="1350" kern="1200">
           <a:solidFill>
             <a:schemeClr val="tx1"/>
           </a:solidFill>
@@ -2910,8 +2912,8 @@
           <a:cs typeface="+mn-cs"/>
         </a:defRPr>
       </a:lvl5pPr>
-      <a:lvl6pPr marL="1344168" algn="l" defTabSz="537667" rtl="0" eaLnBrk="1" latinLnBrk="0" hangingPunct="1">
-        <a:defRPr sz="1058" kern="1200">
+      <a:lvl6pPr marL="1714500" algn="l" defTabSz="685800" rtl="0" eaLnBrk="1" latinLnBrk="0" hangingPunct="1">
+        <a:defRPr sz="1350" kern="1200">
           <a:solidFill>
             <a:schemeClr val="tx1"/>
           </a:solidFill>
@@ -2920,8 +2922,8 @@
           <a:cs typeface="+mn-cs"/>
         </a:defRPr>
       </a:lvl6pPr>
-      <a:lvl7pPr marL="1613002" algn="l" defTabSz="537667" rtl="0" eaLnBrk="1" latinLnBrk="0" hangingPunct="1">
-        <a:defRPr sz="1058" kern="1200">
+      <a:lvl7pPr marL="2057400" algn="l" defTabSz="685800" rtl="0" eaLnBrk="1" latinLnBrk="0" hangingPunct="1">
+        <a:defRPr sz="1350" kern="1200">
           <a:solidFill>
             <a:schemeClr val="tx1"/>
           </a:solidFill>
@@ -2930,8 +2932,8 @@
           <a:cs typeface="+mn-cs"/>
         </a:defRPr>
       </a:lvl7pPr>
-      <a:lvl8pPr marL="1881835" algn="l" defTabSz="537667" rtl="0" eaLnBrk="1" latinLnBrk="0" hangingPunct="1">
-        <a:defRPr sz="1058" kern="1200">
+      <a:lvl8pPr marL="2400300" algn="l" defTabSz="685800" rtl="0" eaLnBrk="1" latinLnBrk="0" hangingPunct="1">
+        <a:defRPr sz="1350" kern="1200">
           <a:solidFill>
             <a:schemeClr val="tx1"/>
           </a:solidFill>
@@ -2940,8 +2942,8 @@
           <a:cs typeface="+mn-cs"/>
         </a:defRPr>
       </a:lvl8pPr>
-      <a:lvl9pPr marL="2150669" algn="l" defTabSz="537667" rtl="0" eaLnBrk="1" latinLnBrk="0" hangingPunct="1">
-        <a:defRPr sz="1058" kern="1200">
+      <a:lvl9pPr marL="2743200" algn="l" defTabSz="685800" rtl="0" eaLnBrk="1" latinLnBrk="0" hangingPunct="1">
+        <a:defRPr sz="1350" kern="1200">
           <a:solidFill>
             <a:schemeClr val="tx1"/>
           </a:solidFill>
@@ -2986,7 +2988,7 @@
         </p:nvSpPr>
         <p:spPr>
           <a:xfrm>
-            <a:off x="2239812" y="679883"/>
+            <a:off x="2980381" y="2048309"/>
             <a:ext cx="950866" cy="255043"/>
           </a:xfrm>
           <a:prstGeom prst="flowChartTerminator">
@@ -3041,7 +3043,7 @@
         </p:nvCxnSpPr>
         <p:spPr>
           <a:xfrm>
-            <a:off x="2715247" y="935851"/>
+            <a:off x="3455816" y="2304276"/>
             <a:ext cx="0" cy="255044"/>
           </a:xfrm>
           <a:prstGeom prst="straightConnector1">
@@ -3082,7 +3084,7 @@
         </p:nvCxnSpPr>
         <p:spPr>
           <a:xfrm>
-            <a:off x="2715247" y="1677949"/>
+            <a:off x="3455816" y="3046374"/>
             <a:ext cx="0" cy="255044"/>
           </a:xfrm>
           <a:prstGeom prst="straightConnector1">
@@ -3121,7 +3123,7 @@
         </p:nvSpPr>
         <p:spPr>
           <a:xfrm>
-            <a:off x="2188516" y="4251506"/>
+            <a:off x="2929086" y="5619931"/>
             <a:ext cx="1053437" cy="277220"/>
           </a:xfrm>
           <a:prstGeom prst="flowChartProcess">
@@ -3180,7 +3182,7 @@
         </p:nvCxnSpPr>
         <p:spPr>
           <a:xfrm>
-            <a:off x="2715235" y="2914341"/>
+            <a:off x="3455804" y="4282766"/>
             <a:ext cx="0" cy="255044"/>
           </a:xfrm>
           <a:prstGeom prst="straightConnector1">
@@ -3219,7 +3221,7 @@
         </p:nvSpPr>
         <p:spPr>
           <a:xfrm>
-            <a:off x="1678828" y="5312903"/>
+            <a:off x="2419397" y="6681329"/>
             <a:ext cx="2070144" cy="355887"/>
           </a:xfrm>
           <a:prstGeom prst="flowChartProcess">
@@ -3283,7 +3285,7 @@
         </p:nvSpPr>
         <p:spPr>
           <a:xfrm>
-            <a:off x="1678828" y="5933273"/>
+            <a:off x="2419397" y="7301698"/>
             <a:ext cx="2070144" cy="277220"/>
           </a:xfrm>
           <a:prstGeom prst="flowChartProcess">
@@ -3342,7 +3344,7 @@
         </p:nvCxnSpPr>
         <p:spPr>
           <a:xfrm>
-            <a:off x="2713900" y="5668790"/>
+            <a:off x="3454469" y="7037215"/>
             <a:ext cx="0" cy="255044"/>
           </a:xfrm>
           <a:prstGeom prst="straightConnector1">
@@ -3381,7 +3383,7 @@
         </p:nvSpPr>
         <p:spPr>
           <a:xfrm>
-            <a:off x="2238467" y="6491858"/>
+            <a:off x="2979036" y="7860284"/>
             <a:ext cx="950866" cy="255043"/>
           </a:xfrm>
           <a:prstGeom prst="flowChartTerminator">
@@ -3436,7 +3438,7 @@
         </p:nvCxnSpPr>
         <p:spPr>
           <a:xfrm>
-            <a:off x="2716279" y="6227186"/>
+            <a:off x="3456848" y="7595611"/>
             <a:ext cx="0" cy="255044"/>
           </a:xfrm>
           <a:prstGeom prst="straightConnector1">
@@ -3475,7 +3477,7 @@
         </p:nvSpPr>
         <p:spPr>
           <a:xfrm>
-            <a:off x="1680173" y="1930215"/>
+            <a:off x="2420742" y="3298640"/>
             <a:ext cx="2070144" cy="277220"/>
           </a:xfrm>
           <a:prstGeom prst="flowChartProcess">
@@ -3536,7 +3538,7 @@
         </p:nvSpPr>
         <p:spPr>
           <a:xfrm>
-            <a:off x="1680173" y="3183794"/>
+            <a:off x="2420742" y="4552219"/>
             <a:ext cx="2070144" cy="277220"/>
           </a:xfrm>
           <a:prstGeom prst="flowChartProcess">
@@ -3591,7 +3593,7 @@
         </p:nvCxnSpPr>
         <p:spPr>
           <a:xfrm>
-            <a:off x="2715235" y="2207435"/>
+            <a:off x="3455804" y="3575860"/>
             <a:ext cx="0" cy="255044"/>
           </a:xfrm>
           <a:prstGeom prst="straightConnector1">
@@ -3632,7 +3634,7 @@
         </p:nvCxnSpPr>
         <p:spPr>
           <a:xfrm>
-            <a:off x="2715235" y="3461014"/>
+            <a:off x="3455804" y="4829439"/>
             <a:ext cx="0" cy="255044"/>
           </a:xfrm>
           <a:prstGeom prst="straightConnector1">
@@ -3671,7 +3673,7 @@
         </p:nvSpPr>
         <p:spPr>
           <a:xfrm>
-            <a:off x="1680163" y="3712467"/>
+            <a:off x="2420732" y="5080892"/>
             <a:ext cx="2070144" cy="277220"/>
           </a:xfrm>
           <a:prstGeom prst="flowChartProcess">
@@ -3726,7 +3728,7 @@
         </p:nvCxnSpPr>
         <p:spPr>
           <a:xfrm>
-            <a:off x="2713901" y="3996462"/>
+            <a:off x="3454470" y="5364887"/>
             <a:ext cx="0" cy="255044"/>
           </a:xfrm>
           <a:prstGeom prst="straightConnector1">
@@ -3753,7 +3755,7 @@
       </p:cxnSp>
       <p:sp>
         <p:nvSpPr>
-          <p:cNvPr id="2" name="Flowchart: Manual Input 1">
+          <p:cNvPr id="2" name="Flowchart: Data 1">
             <a:extLst>
               <a:ext uri="{FF2B5EF4-FFF2-40B4-BE49-F238E27FC236}">
                 <a16:creationId xmlns:a16="http://schemas.microsoft.com/office/drawing/2014/main" id="{CCE8367F-E6F1-4408-B2BA-EB9CC3D35344}"/>
@@ -3765,10 +3767,10 @@
         </p:nvSpPr>
         <p:spPr>
           <a:xfrm>
-            <a:off x="1956157" y="1122421"/>
-            <a:ext cx="1508770" cy="541119"/>
-          </a:xfrm>
-          <a:prstGeom prst="flowChartManualInput">
+            <a:off x="2419398" y="2490847"/>
+            <a:ext cx="2070143" cy="541119"/>
+          </a:xfrm>
+          <a:prstGeom prst="flowChartInputOutput">
             <a:avLst/>
           </a:prstGeom>
         </p:spPr>
@@ -3824,15 +3826,11 @@
             </a:r>
             <a:endParaRPr lang="en-GB" sz="980" i="1" dirty="0"/>
           </a:p>
-          <a:p>
-            <a:pPr algn="ctr"/>
-            <a:endParaRPr lang="en-GB" sz="800" dirty="0"/>
-          </a:p>
-        </p:txBody>
-      </p:sp>
-      <p:sp>
-        <p:nvSpPr>
-          <p:cNvPr id="31" name="Flowchart: Manual Input 30">
+        </p:txBody>
+      </p:sp>
+      <p:sp>
+        <p:nvSpPr>
+          <p:cNvPr id="31" name="Flowchart: Data 30">
             <a:extLst>
               <a:ext uri="{FF2B5EF4-FFF2-40B4-BE49-F238E27FC236}">
                 <a16:creationId xmlns:a16="http://schemas.microsoft.com/office/drawing/2014/main" id="{2CAFE740-C891-4D6E-ABAB-4711E22B3533}"/>
@@ -3844,10 +3842,10 @@
         </p:nvSpPr>
         <p:spPr>
           <a:xfrm>
-            <a:off x="1956157" y="2418832"/>
-            <a:ext cx="1508770" cy="541119"/>
-          </a:xfrm>
-          <a:prstGeom prst="flowChartManualInput">
+            <a:off x="2419397" y="3787258"/>
+            <a:ext cx="2070142" cy="541119"/>
+          </a:xfrm>
+          <a:prstGeom prst="flowChartInputOutput">
             <a:avLst/>
           </a:prstGeom>
         </p:spPr>
@@ -3879,10 +3877,6 @@
               <a:t>Hiddentext)</a:t>
             </a:r>
             <a:endParaRPr lang="en-GB" sz="980" i="1" dirty="0"/>
-          </a:p>
-          <a:p>
-            <a:pPr algn="ctr"/>
-            <a:endParaRPr lang="en-GB" sz="800" dirty="0"/>
           </a:p>
         </p:txBody>
       </p:sp>
@@ -3902,7 +3896,7 @@
         </p:nvCxnSpPr>
         <p:spPr>
           <a:xfrm>
-            <a:off x="2713900" y="4527466"/>
+            <a:off x="3454469" y="5895891"/>
             <a:ext cx="0" cy="255044"/>
           </a:xfrm>
           <a:prstGeom prst="straightConnector1">
@@ -3941,7 +3935,7 @@
         </p:nvSpPr>
         <p:spPr>
           <a:xfrm>
-            <a:off x="1678829" y="4776526"/>
+            <a:off x="2419398" y="6144951"/>
             <a:ext cx="2070144" cy="277220"/>
           </a:xfrm>
           <a:prstGeom prst="flowChartProcess">
@@ -4000,7 +3994,7 @@
         </p:nvCxnSpPr>
         <p:spPr>
           <a:xfrm>
-            <a:off x="2713900" y="5053746"/>
+            <a:off x="3454469" y="6422171"/>
             <a:ext cx="0" cy="255044"/>
           </a:xfrm>
           <a:prstGeom prst="straightConnector1">
@@ -4069,7 +4063,7 @@
         </p:nvSpPr>
         <p:spPr>
           <a:xfrm>
-            <a:off x="2211608" y="1499243"/>
+            <a:off x="2952177" y="2867669"/>
             <a:ext cx="950866" cy="255043"/>
           </a:xfrm>
           <a:prstGeom prst="flowChartTerminator">
@@ -4122,7 +4116,7 @@
         </p:nvSpPr>
         <p:spPr>
           <a:xfrm>
-            <a:off x="1552716" y="2009328"/>
+            <a:off x="2293285" y="3377753"/>
             <a:ext cx="2268660" cy="432464"/>
           </a:xfrm>
           <a:prstGeom prst="flowChartInputOutput">
@@ -4181,7 +4175,7 @@
         </p:nvCxnSpPr>
         <p:spPr>
           <a:xfrm>
-            <a:off x="2687043" y="1755211"/>
+            <a:off x="3427612" y="3123636"/>
             <a:ext cx="0" cy="255044"/>
           </a:xfrm>
           <a:prstGeom prst="straightConnector1">
@@ -4222,7 +4216,7 @@
         </p:nvCxnSpPr>
         <p:spPr>
           <a:xfrm>
-            <a:off x="2687043" y="2442717"/>
+            <a:off x="3427612" y="3811142"/>
             <a:ext cx="0" cy="255044"/>
           </a:xfrm>
           <a:prstGeom prst="straightConnector1">
@@ -4261,7 +4255,7 @@
         </p:nvSpPr>
         <p:spPr>
           <a:xfrm>
-            <a:off x="2160319" y="3214959"/>
+            <a:off x="2900889" y="4583384"/>
             <a:ext cx="1053437" cy="277220"/>
           </a:xfrm>
           <a:prstGeom prst="flowChartProcess">
@@ -4318,7 +4312,7 @@
         </p:nvSpPr>
         <p:spPr>
           <a:xfrm>
-            <a:off x="1651966" y="4817434"/>
+            <a:off x="2392535" y="6185859"/>
             <a:ext cx="2070144" cy="277220"/>
           </a:xfrm>
           <a:prstGeom prst="flowChartProcess">
@@ -4371,7 +4365,7 @@
         </p:nvSpPr>
         <p:spPr>
           <a:xfrm>
-            <a:off x="2211608" y="5371875"/>
+            <a:off x="2952177" y="6740301"/>
             <a:ext cx="950866" cy="255043"/>
           </a:xfrm>
           <a:prstGeom prst="flowChartTerminator">
@@ -4426,7 +4420,7 @@
         </p:nvCxnSpPr>
         <p:spPr>
           <a:xfrm>
-            <a:off x="2699115" y="5094654"/>
+            <a:off x="3439684" y="6463079"/>
             <a:ext cx="0" cy="255044"/>
           </a:xfrm>
           <a:prstGeom prst="straightConnector1">
@@ -4465,7 +4459,7 @@
         </p:nvSpPr>
         <p:spPr>
           <a:xfrm>
-            <a:off x="1651966" y="2685746"/>
+            <a:off x="2392535" y="4054171"/>
             <a:ext cx="2070144" cy="277220"/>
           </a:xfrm>
           <a:prstGeom prst="flowChartProcess">
@@ -4528,7 +4522,7 @@
         </p:nvCxnSpPr>
         <p:spPr>
           <a:xfrm>
-            <a:off x="2687038" y="2962966"/>
+            <a:off x="3427607" y="4331391"/>
             <a:ext cx="0" cy="255044"/>
           </a:xfrm>
           <a:prstGeom prst="straightConnector1">
@@ -4569,7 +4563,7 @@
         </p:nvCxnSpPr>
         <p:spPr>
           <a:xfrm>
-            <a:off x="2671818" y="4540214"/>
+            <a:off x="3412387" y="5908639"/>
             <a:ext cx="0" cy="255044"/>
           </a:xfrm>
           <a:prstGeom prst="straightConnector1">
@@ -4610,7 +4604,7 @@
         </p:nvCxnSpPr>
         <p:spPr>
           <a:xfrm>
-            <a:off x="2687043" y="3490752"/>
+            <a:off x="3427612" y="4859177"/>
             <a:ext cx="0" cy="255044"/>
           </a:xfrm>
           <a:prstGeom prst="straightConnector1">
@@ -4649,7 +4643,7 @@
         </p:nvSpPr>
         <p:spPr>
           <a:xfrm>
-            <a:off x="1651966" y="3733781"/>
+            <a:off x="2392535" y="5102206"/>
             <a:ext cx="2070144" cy="277220"/>
           </a:xfrm>
           <a:prstGeom prst="flowChartProcess">
@@ -4704,7 +4698,7 @@
         </p:nvCxnSpPr>
         <p:spPr>
           <a:xfrm>
-            <a:off x="2687042" y="4019965"/>
+            <a:off x="3427611" y="5388390"/>
             <a:ext cx="0" cy="255044"/>
           </a:xfrm>
           <a:prstGeom prst="straightConnector1">
@@ -4743,7 +4737,7 @@
         </p:nvSpPr>
         <p:spPr>
           <a:xfrm>
-            <a:off x="1651965" y="4262994"/>
+            <a:off x="2392534" y="5631419"/>
             <a:ext cx="2070144" cy="277220"/>
           </a:xfrm>
           <a:prstGeom prst="flowChartProcess">
@@ -4786,6 +4780,136 @@
     <p:extLst>
       <p:ext uri="{BB962C8B-B14F-4D97-AF65-F5344CB8AC3E}">
         <p14:creationId xmlns:p14="http://schemas.microsoft.com/office/powerpoint/2010/main" val="1991335588"/>
+      </p:ext>
+    </p:extLst>
+  </p:cSld>
+  <p:clrMapOvr>
+    <a:masterClrMapping/>
+  </p:clrMapOvr>
+</p:sld>
+</file>
+
+<file path=ppt/slides/slide3.xml><?xml version="1.0" encoding="utf-8"?>
+<p:sld xmlns:a="http://schemas.openxmlformats.org/drawingml/2006/main" xmlns:r="http://schemas.openxmlformats.org/officeDocument/2006/relationships" xmlns:p="http://schemas.openxmlformats.org/presentationml/2006/main">
+  <p:cSld>
+    <p:spTree>
+      <p:nvGrpSpPr>
+        <p:cNvPr id="1" name=""/>
+        <p:cNvGrpSpPr/>
+        <p:nvPr/>
+      </p:nvGrpSpPr>
+      <p:grpSpPr>
+        <a:xfrm>
+          <a:off x="0" y="0"/>
+          <a:ext cx="0" cy="0"/>
+          <a:chOff x="0" y="0"/>
+          <a:chExt cx="0" cy="0"/>
+        </a:xfrm>
+      </p:grpSpPr>
+      <p:pic>
+        <p:nvPicPr>
+          <p:cNvPr id="3" name="Picture 2">
+            <a:extLst>
+              <a:ext uri="{FF2B5EF4-FFF2-40B4-BE49-F238E27FC236}">
+                <a16:creationId xmlns:a16="http://schemas.microsoft.com/office/drawing/2014/main" id="{422213A7-BCAE-49B5-BB1B-EE2DAC8B9F5E}"/>
+              </a:ext>
+            </a:extLst>
+          </p:cNvPr>
+          <p:cNvPicPr>
+            <a:picLocks noChangeAspect="1"/>
+          </p:cNvPicPr>
+          <p:nvPr/>
+        </p:nvPicPr>
+        <p:blipFill rotWithShape="1">
+          <a:blip r:embed="rId2">
+            <a:extLst>
+              <a:ext uri="{28A0092B-C50C-407E-A947-70E740481C1C}">
+                <a14:useLocalDpi xmlns:a14="http://schemas.microsoft.com/office/drawing/2010/main" val="0"/>
+              </a:ext>
+            </a:extLst>
+          </a:blip>
+          <a:srcRect l="20819" t="18623" r="20936" b="16113"/>
+          <a:stretch/>
+        </p:blipFill>
+        <p:spPr>
+          <a:xfrm>
+            <a:off x="1427747" y="1844842"/>
+            <a:ext cx="3994486" cy="6464969"/>
+          </a:xfrm>
+          <a:prstGeom prst="rect">
+            <a:avLst/>
+          </a:prstGeom>
+        </p:spPr>
+      </p:pic>
+    </p:spTree>
+    <p:extLst>
+      <p:ext uri="{BB962C8B-B14F-4D97-AF65-F5344CB8AC3E}">
+        <p14:creationId xmlns:p14="http://schemas.microsoft.com/office/powerpoint/2010/main" val="3672142593"/>
+      </p:ext>
+    </p:extLst>
+  </p:cSld>
+  <p:clrMapOvr>
+    <a:masterClrMapping/>
+  </p:clrMapOvr>
+</p:sld>
+</file>
+
+<file path=ppt/slides/slide4.xml><?xml version="1.0" encoding="utf-8"?>
+<p:sld xmlns:a="http://schemas.openxmlformats.org/drawingml/2006/main" xmlns:r="http://schemas.openxmlformats.org/officeDocument/2006/relationships" xmlns:p="http://schemas.openxmlformats.org/presentationml/2006/main">
+  <p:cSld>
+    <p:spTree>
+      <p:nvGrpSpPr>
+        <p:cNvPr id="1" name=""/>
+        <p:cNvGrpSpPr/>
+        <p:nvPr/>
+      </p:nvGrpSpPr>
+      <p:grpSpPr>
+        <a:xfrm>
+          <a:off x="0" y="0"/>
+          <a:ext cx="0" cy="0"/>
+          <a:chOff x="0" y="0"/>
+          <a:chExt cx="0" cy="0"/>
+        </a:xfrm>
+      </p:grpSpPr>
+      <p:pic>
+        <p:nvPicPr>
+          <p:cNvPr id="3" name="Picture 2">
+            <a:extLst>
+              <a:ext uri="{FF2B5EF4-FFF2-40B4-BE49-F238E27FC236}">
+                <a16:creationId xmlns:a16="http://schemas.microsoft.com/office/drawing/2014/main" id="{4A6031B5-09B7-45E5-A7C1-A8E49C9108A9}"/>
+              </a:ext>
+            </a:extLst>
+          </p:cNvPr>
+          <p:cNvPicPr>
+            <a:picLocks noChangeAspect="1"/>
+          </p:cNvPicPr>
+          <p:nvPr/>
+        </p:nvPicPr>
+        <p:blipFill rotWithShape="1">
+          <a:blip r:embed="rId2">
+            <a:extLst>
+              <a:ext uri="{28A0092B-C50C-407E-A947-70E740481C1C}">
+                <a14:useLocalDpi xmlns:a14="http://schemas.microsoft.com/office/drawing/2010/main" val="0"/>
+              </a:ext>
+            </a:extLst>
+          </a:blip>
+          <a:srcRect l="20117" t="27044" r="19299" b="27449"/>
+          <a:stretch/>
+        </p:blipFill>
+        <p:spPr>
+          <a:xfrm>
+            <a:off x="1379620" y="2679032"/>
+            <a:ext cx="4154905" cy="4507831"/>
+          </a:xfrm>
+          <a:prstGeom prst="rect">
+            <a:avLst/>
+          </a:prstGeom>
+        </p:spPr>
+      </p:pic>
+    </p:spTree>
+    <p:extLst>
+      <p:ext uri="{BB962C8B-B14F-4D97-AF65-F5344CB8AC3E}">
+        <p14:creationId xmlns:p14="http://schemas.microsoft.com/office/powerpoint/2010/main" val="3990588452"/>
       </p:ext>
     </p:extLst>
   </p:cSld>
